--- a/src/Presentation 03.pptx
+++ b/src/Presentation 03.pptx
@@ -115,7 +115,7 @@
   </p:defaultTextStyle>
   <p:extLst>
     <p:ext uri="{EFAFB233-063F-42B5-8137-9DF3F51BA10A}">
-      <p15:sldGuideLst xmlns:p15="http://schemas.microsoft.com/office/powerpoint/2012/main">
+      <p15:sldGuideLst xmlns:p15="http://schemas.microsoft.com/office/powerpoint/2012/main" xmlns="">
         <p15:guide id="1" orient="horz" pos="2160">
           <p15:clr>
             <a:srgbClr val="A4A3A4"/>
@@ -5250,7 +5250,11 @@
             <a:pPr lvl="1"/>
             <a:r>
               <a:rPr lang="en-US" dirty="0" smtClean="0"/>
-              <a:t>Adding image tags to database for video</a:t>
+              <a:t>Added </a:t>
+            </a:r>
+            <a:r>
+              <a:rPr lang="en-US" dirty="0" smtClean="0"/>
+              <a:t>image tags to database for video</a:t>
             </a:r>
           </a:p>
           <a:p>
@@ -5264,11 +5268,7 @@
             <a:pPr lvl="2"/>
             <a:r>
               <a:rPr lang="en-US" dirty="0" smtClean="0"/>
-              <a:t>Uses database to get information to populate based on the current user</a:t>
-            </a:r>
-            <a:r>
-              <a:rPr lang="en-US" dirty="0" smtClean="0"/>
-              <a:t>.</a:t>
+              <a:t>Uses database to get information to populate based on the current user.</a:t>
             </a:r>
             <a:endParaRPr lang="en-US" dirty="0"/>
           </a:p>
@@ -5298,7 +5298,6 @@
               <a:rPr lang="en-US" dirty="0" smtClean="0"/>
               <a:t>Added more tags</a:t>
             </a:r>
-            <a:endParaRPr lang="en-US" dirty="0" smtClean="0"/>
           </a:p>
         </p:txBody>
       </p:sp>
@@ -5319,11 +5318,7 @@
           <a:p>
             <a:r>
               <a:rPr lang="en-US" dirty="0" smtClean="0"/>
-              <a:t>Passed</a:t>
-            </a:r>
-            <a:r>
-              <a:rPr lang="en-US" dirty="0" smtClean="0"/>
-              <a:t> Sprints</a:t>
+              <a:t>Passed Sprints</a:t>
             </a:r>
             <a:endParaRPr lang="en-US" dirty="0"/>
           </a:p>
@@ -5516,21 +5511,13 @@
           <a:p>
             <a:r>
               <a:rPr lang="en-US" dirty="0" smtClean="0"/>
-              <a:t>Filtering </a:t>
-            </a:r>
+              <a:t>Filtering the Tags</a:t>
+            </a:r>
+          </a:p>
+          <a:p>
             <a:r>
               <a:rPr lang="en-US" dirty="0" smtClean="0"/>
-              <a:t>the Tags</a:t>
-            </a:r>
-          </a:p>
-          <a:p>
-            <a:r>
-              <a:rPr lang="en-US" dirty="0" smtClean="0"/>
-              <a:t>GUI </a:t>
-            </a:r>
-            <a:r>
-              <a:rPr lang="en-US" dirty="0" smtClean="0"/>
-              <a:t>Design</a:t>
+              <a:t>GUI Design</a:t>
             </a:r>
             <a:endParaRPr lang="en-US" dirty="0"/>
           </a:p>
@@ -5613,7 +5600,10 @@
           <a:bodyPr/>
           <a:lstStyle/>
           <a:p>
-            <a:endParaRPr lang="en-US" dirty="0"/>
+            <a:r>
+              <a:rPr lang="en-US" dirty="0" smtClean="0"/>
+              <a:t>Beta Testers</a:t>
+            </a:r>
           </a:p>
         </p:txBody>
       </p:sp>
